--- a/poster/NEW_POSTER.pptx
+++ b/poster/NEW_POSTER.pptx
@@ -6522,7 +6522,7 @@
         </p:blipFill>
         <p:spPr>
           <a:xfrm>
-            <a:off x="10541366" y="11246994"/>
+            <a:off x="10454481" y="11246994"/>
             <a:ext cx="6125740" cy="3617483"/>
           </a:xfrm>
           <a:prstGeom prst="rect">
@@ -6552,7 +6552,7 @@
         </p:blipFill>
         <p:spPr>
           <a:xfrm>
-            <a:off x="15571830" y="11227748"/>
+            <a:off x="15559881" y="11227748"/>
             <a:ext cx="5479718" cy="3568189"/>
           </a:xfrm>
           <a:prstGeom prst="rect">

--- a/poster/NEW_POSTER.pptx
+++ b/poster/NEW_POSTER.pptx
@@ -7878,7 +7878,7 @@
               <a:rPr lang="en-US" sz="3200" dirty="0">
                 <a:latin typeface="Helvetica" pitchFamily="2" charset="0"/>
               </a:rPr>
-              <a:t>How I heart disease rate connected to ethnicity in New York? </a:t>
+              <a:t>How is heart disease mortality rate connected to ethnicity in New York? </a:t>
             </a:r>
           </a:p>
           <a:p>
